--- a/lecture slides/Chapter 2 - Software Processes.pptx
+++ b/lecture slides/Chapter 2 - Software Processes.pptx
@@ -296,7 +296,7 @@
             <a:fld id="{F2083BB4-0A16-5245-9E06-FF8135372772}" type="datetimeFigureOut">
               <a:rPr lang="en-US" smtClean="0"/>
               <a:pPr/>
-              <a:t>10/18/2020</a:t>
+              <a:t>10/22/2020</a:t>
             </a:fld>
             <a:endParaRPr lang="en-US"/>
           </a:p>
@@ -459,7 +459,7 @@
             <a:fld id="{2BF69228-E2B9-114B-84AC-2DD0140A52E6}" type="datetimeFigureOut">
               <a:rPr lang="en-US" smtClean="0"/>
               <a:pPr/>
-              <a:t>10/18/2020</a:t>
+              <a:t>10/22/2020</a:t>
             </a:fld>
             <a:endParaRPr lang="en-US"/>
           </a:p>
@@ -1652,7 +1652,7 @@
               <a:pPr>
                 <a:defRPr/>
               </a:pPr>
-              <a:t>10/18/2020</a:t>
+              <a:t>10/22/2020</a:t>
             </a:fld>
             <a:endParaRPr lang="en-US"/>
           </a:p>
@@ -1681,10 +1681,10 @@
               <a:defRPr/>
             </a:pPr>
             <a:r>
-              <a:rPr lang="en-US" smtClean="0"/>
-              <a:t>Chapter 2 Software Processes</a:t>
-            </a:r>
-            <a:endParaRPr lang="en-US"/>
+              <a:rPr lang="en-US" dirty="0" smtClean="0"/>
+              <a:t>Lecture 2 Software Processes</a:t>
+            </a:r>
+            <a:endParaRPr lang="en-US" dirty="0"/>
           </a:p>
         </p:txBody>
       </p:sp>
@@ -1856,7 +1856,7 @@
               <a:pPr>
                 <a:defRPr/>
               </a:pPr>
-              <a:t>10/18/2020</a:t>
+              <a:t>10/22/2020</a:t>
             </a:fld>
             <a:endParaRPr lang="en-US"/>
           </a:p>
@@ -1885,10 +1885,10 @@
               <a:defRPr/>
             </a:pPr>
             <a:r>
-              <a:rPr lang="en-US" smtClean="0"/>
-              <a:t>Chapter 2 Software Processes</a:t>
-            </a:r>
-            <a:endParaRPr lang="en-US"/>
+              <a:rPr lang="en-US" dirty="0" smtClean="0"/>
+              <a:t>Lecture 2 Software Processes</a:t>
+            </a:r>
+            <a:endParaRPr lang="en-US" dirty="0"/>
           </a:p>
         </p:txBody>
       </p:sp>
@@ -2065,7 +2065,7 @@
               <a:pPr>
                 <a:defRPr/>
               </a:pPr>
-              <a:t>10/18/2020</a:t>
+              <a:t>10/22/2020</a:t>
             </a:fld>
             <a:endParaRPr lang="en-US"/>
           </a:p>
@@ -2094,10 +2094,10 @@
               <a:defRPr/>
             </a:pPr>
             <a:r>
-              <a:rPr lang="en-US" smtClean="0"/>
-              <a:t>Chapter 2 Software Processes</a:t>
-            </a:r>
-            <a:endParaRPr lang="en-US"/>
+              <a:rPr lang="en-US" dirty="0" smtClean="0"/>
+              <a:t>Lecture 2 Software Processes</a:t>
+            </a:r>
+            <a:endParaRPr lang="en-US" dirty="0"/>
           </a:p>
         </p:txBody>
       </p:sp>
@@ -2331,7 +2331,7 @@
               <a:pPr>
                 <a:defRPr/>
               </a:pPr>
-              <a:t>10/18/2020</a:t>
+              <a:t>10/22/2020</a:t>
             </a:fld>
             <a:endParaRPr lang="en-US"/>
           </a:p>
@@ -2360,10 +2360,10 @@
               <a:defRPr/>
             </a:pPr>
             <a:r>
-              <a:rPr lang="en-US" smtClean="0"/>
-              <a:t>Chapter 2 Software Processes</a:t>
-            </a:r>
-            <a:endParaRPr lang="en-US"/>
+              <a:rPr lang="en-US" dirty="0" smtClean="0"/>
+              <a:t>Lecture 2 Software Processes</a:t>
+            </a:r>
+            <a:endParaRPr lang="en-US" dirty="0"/>
           </a:p>
         </p:txBody>
       </p:sp>
@@ -2606,7 +2606,7 @@
               <a:pPr>
                 <a:defRPr/>
               </a:pPr>
-              <a:t>10/18/2020</a:t>
+              <a:t>10/22/2020</a:t>
             </a:fld>
             <a:endParaRPr lang="en-US"/>
           </a:p>
@@ -2635,10 +2635,10 @@
               <a:defRPr/>
             </a:pPr>
             <a:r>
-              <a:rPr lang="en-US" smtClean="0"/>
-              <a:t>Chapter 2 Software Processes</a:t>
-            </a:r>
-            <a:endParaRPr lang="en-US"/>
+              <a:rPr lang="en-US" dirty="0" smtClean="0"/>
+              <a:t>Lecture 2 Software Processes</a:t>
+            </a:r>
+            <a:endParaRPr lang="en-US" dirty="0"/>
           </a:p>
         </p:txBody>
       </p:sp>
@@ -2926,7 +2926,7 @@
               <a:pPr>
                 <a:defRPr/>
               </a:pPr>
-              <a:t>10/18/2020</a:t>
+              <a:t>10/22/2020</a:t>
             </a:fld>
             <a:endParaRPr lang="en-US"/>
           </a:p>
@@ -2955,10 +2955,10 @@
               <a:defRPr/>
             </a:pPr>
             <a:r>
-              <a:rPr lang="en-US" smtClean="0"/>
-              <a:t>Chapter 2 Software Processes</a:t>
-            </a:r>
-            <a:endParaRPr lang="en-US"/>
+              <a:rPr lang="en-US" dirty="0" smtClean="0"/>
+              <a:t>Lecture 2 Software Processes</a:t>
+            </a:r>
+            <a:endParaRPr lang="en-US" dirty="0"/>
           </a:p>
         </p:txBody>
       </p:sp>
@@ -3386,7 +3386,7 @@
               <a:pPr>
                 <a:defRPr/>
               </a:pPr>
-              <a:t>10/18/2020</a:t>
+              <a:t>10/22/2020</a:t>
             </a:fld>
             <a:endParaRPr lang="en-US"/>
           </a:p>
@@ -3415,10 +3415,10 @@
               <a:defRPr/>
             </a:pPr>
             <a:r>
-              <a:rPr lang="en-US" smtClean="0"/>
-              <a:t>Chapter 2 Software Processes</a:t>
-            </a:r>
-            <a:endParaRPr lang="en-US"/>
+              <a:rPr lang="en-US" dirty="0" smtClean="0"/>
+              <a:t>Lecture 2 Software Processes</a:t>
+            </a:r>
+            <a:endParaRPr lang="en-US" dirty="0"/>
           </a:p>
         </p:txBody>
       </p:sp>
@@ -3530,7 +3530,7 @@
               <a:pPr>
                 <a:defRPr/>
               </a:pPr>
-              <a:t>10/18/2020</a:t>
+              <a:t>10/22/2020</a:t>
             </a:fld>
             <a:endParaRPr lang="en-US"/>
           </a:p>
@@ -3559,10 +3559,10 @@
               <a:defRPr/>
             </a:pPr>
             <a:r>
-              <a:rPr lang="en-US" smtClean="0"/>
-              <a:t>Chapter 2 Software Processes</a:t>
-            </a:r>
-            <a:endParaRPr lang="en-US"/>
+              <a:rPr lang="en-US" dirty="0" smtClean="0"/>
+              <a:t>Lecture 2 Software Processes</a:t>
+            </a:r>
+            <a:endParaRPr lang="en-US" dirty="0"/>
           </a:p>
         </p:txBody>
       </p:sp>
@@ -3651,7 +3651,7 @@
               <a:pPr>
                 <a:defRPr/>
               </a:pPr>
-              <a:t>10/18/2020</a:t>
+              <a:t>10/22/2020</a:t>
             </a:fld>
             <a:endParaRPr lang="en-US"/>
           </a:p>
@@ -3680,10 +3680,10 @@
               <a:defRPr/>
             </a:pPr>
             <a:r>
-              <a:rPr lang="en-US" smtClean="0"/>
-              <a:t>Chapter 2 Software Processes</a:t>
-            </a:r>
-            <a:endParaRPr lang="en-US"/>
+              <a:rPr lang="en-US" dirty="0" smtClean="0"/>
+              <a:t>Lecture 2 Software Processes</a:t>
+            </a:r>
+            <a:endParaRPr lang="en-US" dirty="0"/>
           </a:p>
         </p:txBody>
       </p:sp>
@@ -3960,7 +3960,7 @@
               <a:pPr>
                 <a:defRPr/>
               </a:pPr>
-              <a:t>10/18/2020</a:t>
+              <a:t>10/22/2020</a:t>
             </a:fld>
             <a:endParaRPr lang="en-US"/>
           </a:p>
@@ -3989,10 +3989,10 @@
               <a:defRPr/>
             </a:pPr>
             <a:r>
-              <a:rPr lang="en-US" smtClean="0"/>
-              <a:t>Chapter 2 Software Processes</a:t>
-            </a:r>
-            <a:endParaRPr lang="en-US"/>
+              <a:rPr lang="en-US" dirty="0" smtClean="0"/>
+              <a:t>Lecture 2 Software Processes</a:t>
+            </a:r>
+            <a:endParaRPr lang="en-US" dirty="0"/>
           </a:p>
         </p:txBody>
       </p:sp>
@@ -4250,7 +4250,7 @@
               <a:pPr>
                 <a:defRPr/>
               </a:pPr>
-              <a:t>10/18/2020</a:t>
+              <a:t>10/22/2020</a:t>
             </a:fld>
             <a:endParaRPr lang="en-US"/>
           </a:p>
@@ -4279,10 +4279,10 @@
               <a:defRPr/>
             </a:pPr>
             <a:r>
-              <a:rPr lang="en-US" smtClean="0"/>
-              <a:t>Chapter 2 Software Processes</a:t>
-            </a:r>
-            <a:endParaRPr lang="en-US"/>
+              <a:rPr lang="en-US" dirty="0" smtClean="0"/>
+              <a:t>Lecture 2 Software Processes</a:t>
+            </a:r>
+            <a:endParaRPr lang="en-US" dirty="0"/>
           </a:p>
         </p:txBody>
       </p:sp>
@@ -4442,7 +4442,7 @@
               <a:pPr>
                 <a:defRPr/>
               </a:pPr>
-              <a:t>10/18/2020</a:t>
+              <a:t>10/22/2020</a:t>
             </a:fld>
             <a:endParaRPr lang="en-US"/>
           </a:p>
@@ -4494,10 +4494,10 @@
               <a:defRPr/>
             </a:pPr>
             <a:r>
-              <a:rPr lang="en-US" smtClean="0"/>
-              <a:t>Chapter 2 Software Processes</a:t>
-            </a:r>
-            <a:endParaRPr lang="en-US"/>
+              <a:rPr lang="en-US" dirty="0" smtClean="0"/>
+              <a:t>Lecture 2 Software Processes</a:t>
+            </a:r>
+            <a:endParaRPr lang="en-US" dirty="0"/>
           </a:p>
         </p:txBody>
       </p:sp>
@@ -5068,11 +5068,7 @@
             <a:pPr eaLnBrk="1" hangingPunct="1"/>
             <a:r>
               <a:rPr lang="en-US" dirty="0" smtClean="0"/>
-              <a:t>Lecture </a:t>
-            </a:r>
-            <a:r>
-              <a:rPr lang="en-US" dirty="0" smtClean="0"/>
-              <a:t>2 – Software Processes</a:t>
+              <a:t>Lecture 2 – Software Processes</a:t>
             </a:r>
           </a:p>
         </p:txBody>
@@ -5105,14 +5101,7 @@
                 <a:ea typeface="+mn-ea"/>
                 <a:cs typeface="+mn-cs"/>
               </a:rPr>
-              <a:t>Part </a:t>
-            </a:r>
-            <a:r>
-              <a:rPr lang="en-US" dirty="0" smtClean="0">
-                <a:ea typeface="+mn-ea"/>
-                <a:cs typeface="+mn-cs"/>
-              </a:rPr>
-              <a:t>1</a:t>
+              <a:t>Part 1</a:t>
             </a:r>
             <a:endParaRPr lang="en-US" dirty="0">
               <a:ea typeface="+mn-ea"/>
@@ -5160,7 +5149,12 @@
             <p:ph type="ftr" sz="quarter" idx="11"/>
           </p:nvPr>
         </p:nvSpPr>
-        <p:spPr/>
+        <p:spPr>
+          <a:xfrm>
+            <a:off x="3124200" y="5919429"/>
+            <a:ext cx="2895600" cy="365125"/>
+          </a:xfrm>
+        </p:spPr>
         <p:txBody>
           <a:bodyPr/>
           <a:lstStyle/>
@@ -5169,10 +5163,46 @@
               <a:defRPr/>
             </a:pPr>
             <a:r>
-              <a:rPr lang="en-US" smtClean="0"/>
-              <a:t>Chapter 2 Software Processes</a:t>
-            </a:r>
-            <a:endParaRPr lang="en-US"/>
+              <a:rPr lang="en-US" dirty="0" smtClean="0"/>
+              <a:t>Lecture 2 Software Processes</a:t>
+            </a:r>
+            <a:endParaRPr lang="en-US" dirty="0"/>
+          </a:p>
+        </p:txBody>
+      </p:sp>
+      <p:sp>
+        <p:nvSpPr>
+          <p:cNvPr id="7" name="Metin kutusu 6"/>
+          <p:cNvSpPr txBox="1"/>
+          <p:nvPr/>
+        </p:nvSpPr>
+        <p:spPr>
+          <a:xfrm>
+            <a:off x="0" y="6488668"/>
+            <a:ext cx="8563897" cy="369332"/>
+          </a:xfrm>
+          <a:prstGeom prst="rect">
+            <a:avLst/>
+          </a:prstGeom>
+          <a:noFill/>
+        </p:spPr>
+        <p:txBody>
+          <a:bodyPr wrap="square" rtlCol="0">
+            <a:spAutoFit/>
+          </a:bodyPr>
+          <a:lstStyle/>
+          <a:p>
+            <a:r>
+              <a:rPr lang="en-US" dirty="0"/>
+              <a:t>Source : </a:t>
+            </a:r>
+            <a:r>
+              <a:rPr lang="en-US" dirty="0">
+                <a:hlinkClick r:id="rId2"/>
+              </a:rPr>
+              <a:t>https://ifs.host.cs.st-andrews.ac.uk/Books/SE9/Presentations/index.html </a:t>
+            </a:r>
+            <a:endParaRPr lang="tr-TR" dirty="0"/>
           </a:p>
         </p:txBody>
       </p:sp>
@@ -5318,10 +5348,10 @@
               <a:defRPr/>
             </a:pPr>
             <a:r>
-              <a:rPr lang="en-US" smtClean="0"/>
-              <a:t>Chapter 2 Software Processes</a:t>
-            </a:r>
-            <a:endParaRPr lang="en-US"/>
+              <a:rPr lang="en-US" dirty="0" smtClean="0"/>
+              <a:t>Lecture 2 Software Processes</a:t>
+            </a:r>
+            <a:endParaRPr lang="en-US" dirty="0"/>
           </a:p>
         </p:txBody>
       </p:sp>
@@ -5508,10 +5538,10 @@
               <a:defRPr/>
             </a:pPr>
             <a:r>
-              <a:rPr lang="en-US" smtClean="0"/>
-              <a:t>Chapter 2 Software Processes</a:t>
-            </a:r>
-            <a:endParaRPr lang="en-US"/>
+              <a:rPr lang="en-US" dirty="0" smtClean="0"/>
+              <a:t>Lecture 2 Software Processes</a:t>
+            </a:r>
+            <a:endParaRPr lang="en-US" dirty="0"/>
           </a:p>
         </p:txBody>
       </p:sp>
@@ -5662,10 +5692,10 @@
               <a:defRPr/>
             </a:pPr>
             <a:r>
-              <a:rPr lang="en-US" smtClean="0"/>
-              <a:t>Chapter 2 Software Processes</a:t>
-            </a:r>
-            <a:endParaRPr lang="en-US"/>
+              <a:rPr lang="en-US" dirty="0" smtClean="0"/>
+              <a:t>Lecture 2 Software Processes</a:t>
+            </a:r>
+            <a:endParaRPr lang="en-US" dirty="0"/>
           </a:p>
         </p:txBody>
       </p:sp>
@@ -5835,10 +5865,10 @@
               <a:defRPr/>
             </a:pPr>
             <a:r>
-              <a:rPr lang="en-US" smtClean="0"/>
-              <a:t>Chapter 2 Software Processes</a:t>
-            </a:r>
-            <a:endParaRPr lang="en-US"/>
+              <a:rPr lang="en-US" dirty="0" smtClean="0"/>
+              <a:t>Lecture 2 Software Processes</a:t>
+            </a:r>
+            <a:endParaRPr lang="en-US" dirty="0"/>
           </a:p>
         </p:txBody>
       </p:sp>
@@ -5973,10 +6003,10 @@
               <a:defRPr/>
             </a:pPr>
             <a:r>
-              <a:rPr lang="en-US" smtClean="0"/>
-              <a:t>Chapter 2 Software Processes</a:t>
-            </a:r>
-            <a:endParaRPr lang="en-US"/>
+              <a:rPr lang="en-US" dirty="0" smtClean="0"/>
+              <a:t>Lecture 2 Software Processes</a:t>
+            </a:r>
+            <a:endParaRPr lang="en-US" dirty="0"/>
           </a:p>
         </p:txBody>
       </p:sp>
@@ -6144,10 +6174,10 @@
               <a:defRPr/>
             </a:pPr>
             <a:r>
-              <a:rPr lang="en-US" smtClean="0"/>
-              <a:t>Chapter 2 Software Processes</a:t>
-            </a:r>
-            <a:endParaRPr lang="en-US"/>
+              <a:rPr lang="en-US" dirty="0" smtClean="0"/>
+              <a:t>Lecture 2 Software Processes</a:t>
+            </a:r>
+            <a:endParaRPr lang="en-US" dirty="0"/>
           </a:p>
         </p:txBody>
       </p:sp>
@@ -6276,10 +6306,10 @@
               <a:defRPr/>
             </a:pPr>
             <a:r>
-              <a:rPr lang="en-US" smtClean="0"/>
-              <a:t>Chapter 2 Software Processes</a:t>
-            </a:r>
-            <a:endParaRPr lang="en-US"/>
+              <a:rPr lang="en-US" dirty="0" smtClean="0"/>
+              <a:t>Lecture 2 Software Processes</a:t>
+            </a:r>
+            <a:endParaRPr lang="en-US" dirty="0"/>
           </a:p>
         </p:txBody>
       </p:sp>
@@ -6469,10 +6499,10 @@
               <a:defRPr/>
             </a:pPr>
             <a:r>
-              <a:rPr lang="en-US" smtClean="0"/>
-              <a:t>Chapter 2 Software Processes</a:t>
-            </a:r>
-            <a:endParaRPr lang="en-US"/>
+              <a:rPr lang="en-US" dirty="0" smtClean="0"/>
+              <a:t>Lecture 2 Software Processes</a:t>
+            </a:r>
+            <a:endParaRPr lang="en-US" dirty="0"/>
           </a:p>
         </p:txBody>
       </p:sp>
@@ -6611,10 +6641,10 @@
               <a:defRPr/>
             </a:pPr>
             <a:r>
-              <a:rPr lang="en-US" smtClean="0"/>
-              <a:t>Chapter 2 Software Processes</a:t>
-            </a:r>
-            <a:endParaRPr lang="en-US"/>
+              <a:rPr lang="en-US" dirty="0" smtClean="0"/>
+              <a:t>Lecture 2 Software Processes</a:t>
+            </a:r>
+            <a:endParaRPr lang="en-US" dirty="0"/>
           </a:p>
         </p:txBody>
       </p:sp>
@@ -6800,10 +6830,10 @@
               <a:defRPr/>
             </a:pPr>
             <a:r>
-              <a:rPr lang="en-US" smtClean="0"/>
-              <a:t>Chapter 2 Software Processes</a:t>
-            </a:r>
-            <a:endParaRPr lang="en-US"/>
+              <a:rPr lang="en-US" dirty="0" smtClean="0"/>
+              <a:t>Lecture 2 Software Processes</a:t>
+            </a:r>
+            <a:endParaRPr lang="en-US" dirty="0"/>
           </a:p>
         </p:txBody>
       </p:sp>
@@ -6983,10 +7013,10 @@
               <a:defRPr/>
             </a:pPr>
             <a:r>
-              <a:rPr lang="en-US" smtClean="0"/>
-              <a:t>Chapter 2 Software Processes</a:t>
-            </a:r>
-            <a:endParaRPr lang="en-US"/>
+              <a:rPr lang="en-US" dirty="0" smtClean="0"/>
+              <a:t>Lecture 2 Software Processes</a:t>
+            </a:r>
+            <a:endParaRPr lang="en-US" dirty="0"/>
           </a:p>
         </p:txBody>
       </p:sp>
@@ -7125,10 +7155,10 @@
               <a:defRPr/>
             </a:pPr>
             <a:r>
-              <a:rPr lang="en-US" smtClean="0"/>
-              <a:t>Chapter 2 Software Processes</a:t>
-            </a:r>
-            <a:endParaRPr lang="en-US"/>
+              <a:rPr lang="en-US" dirty="0" smtClean="0"/>
+              <a:t>Lecture 2 Software Processes</a:t>
+            </a:r>
+            <a:endParaRPr lang="en-US" dirty="0"/>
           </a:p>
         </p:txBody>
       </p:sp>
@@ -7318,10 +7348,10 @@
               <a:defRPr/>
             </a:pPr>
             <a:r>
-              <a:rPr lang="en-US" smtClean="0"/>
-              <a:t>Chapter 2 Software Processes</a:t>
-            </a:r>
-            <a:endParaRPr lang="en-US"/>
+              <a:rPr lang="en-US" dirty="0" smtClean="0"/>
+              <a:t>Lecture 2 Software Processes</a:t>
+            </a:r>
+            <a:endParaRPr lang="en-US" dirty="0"/>
           </a:p>
         </p:txBody>
       </p:sp>
@@ -7462,10 +7492,10 @@
               <a:defRPr/>
             </a:pPr>
             <a:r>
-              <a:rPr lang="en-US" smtClean="0"/>
-              <a:t>Chapter 2 Software Processes</a:t>
-            </a:r>
-            <a:endParaRPr lang="en-US"/>
+              <a:rPr lang="en-US" dirty="0" smtClean="0"/>
+              <a:t>Lecture 2 Software Processes</a:t>
+            </a:r>
+            <a:endParaRPr lang="en-US" dirty="0"/>
           </a:p>
         </p:txBody>
       </p:sp>
@@ -7604,10 +7634,10 @@
               <a:defRPr/>
             </a:pPr>
             <a:r>
-              <a:rPr lang="en-US" smtClean="0"/>
-              <a:t>Chapter 2 Software Processes</a:t>
-            </a:r>
-            <a:endParaRPr lang="en-US"/>
+              <a:rPr lang="en-US" dirty="0" smtClean="0"/>
+              <a:t>Lecture 2 Software Processes</a:t>
+            </a:r>
+            <a:endParaRPr lang="en-US" dirty="0"/>
           </a:p>
         </p:txBody>
       </p:sp>
@@ -7801,10 +7831,10 @@
               <a:defRPr/>
             </a:pPr>
             <a:r>
-              <a:rPr lang="en-US" smtClean="0"/>
-              <a:t>Chapter 2 Software Processes</a:t>
-            </a:r>
-            <a:endParaRPr lang="en-US"/>
+              <a:rPr lang="en-US" dirty="0" smtClean="0"/>
+              <a:t>Lecture 2 Software Processes</a:t>
+            </a:r>
+            <a:endParaRPr lang="en-US" dirty="0"/>
           </a:p>
         </p:txBody>
       </p:sp>
@@ -7943,10 +7973,10 @@
               <a:defRPr/>
             </a:pPr>
             <a:r>
-              <a:rPr lang="en-US" smtClean="0"/>
-              <a:t>Chapter 2 Software Processes</a:t>
-            </a:r>
-            <a:endParaRPr lang="en-US"/>
+              <a:rPr lang="en-US" dirty="0" smtClean="0"/>
+              <a:t>Lecture 2 Software Processes</a:t>
+            </a:r>
+            <a:endParaRPr lang="en-US" dirty="0"/>
           </a:p>
         </p:txBody>
       </p:sp>
@@ -8112,10 +8142,10 @@
               <a:defRPr/>
             </a:pPr>
             <a:r>
-              <a:rPr lang="en-US" smtClean="0"/>
-              <a:t>Chapter 2 Software Processes</a:t>
-            </a:r>
-            <a:endParaRPr lang="en-US"/>
+              <a:rPr lang="en-US" dirty="0" smtClean="0"/>
+              <a:t>Lecture 2 Software Processes</a:t>
+            </a:r>
+            <a:endParaRPr lang="en-US" dirty="0"/>
           </a:p>
         </p:txBody>
       </p:sp>
@@ -8251,10 +8281,10 @@
               <a:defRPr/>
             </a:pPr>
             <a:r>
-              <a:rPr lang="en-US" smtClean="0"/>
-              <a:t>Chapter 2 Software Processes</a:t>
-            </a:r>
-            <a:endParaRPr lang="en-US"/>
+              <a:rPr lang="en-US" dirty="0" smtClean="0"/>
+              <a:t>Lecture 2 Software Processes</a:t>
+            </a:r>
+            <a:endParaRPr lang="en-US" dirty="0"/>
           </a:p>
         </p:txBody>
       </p:sp>
@@ -8413,10 +8443,10 @@
               <a:defRPr/>
             </a:pPr>
             <a:r>
-              <a:rPr lang="en-US" smtClean="0"/>
-              <a:t>Chapter 2 Software Processes</a:t>
-            </a:r>
-            <a:endParaRPr lang="en-US"/>
+              <a:rPr lang="en-US" dirty="0" smtClean="0"/>
+              <a:t>Lecture 2 Software Processes</a:t>
+            </a:r>
+            <a:endParaRPr lang="en-US" dirty="0"/>
           </a:p>
         </p:txBody>
       </p:sp>
@@ -8559,10 +8589,10 @@
               <a:defRPr/>
             </a:pPr>
             <a:r>
-              <a:rPr lang="en-US" smtClean="0"/>
-              <a:t>Chapter 2 Software Processes</a:t>
-            </a:r>
-            <a:endParaRPr lang="en-US"/>
+              <a:rPr lang="en-US" dirty="0" smtClean="0"/>
+              <a:t>Lecture 2 Software Processes</a:t>
+            </a:r>
+            <a:endParaRPr lang="en-US" dirty="0"/>
           </a:p>
         </p:txBody>
       </p:sp>
@@ -8732,10 +8762,10 @@
               <a:defRPr/>
             </a:pPr>
             <a:r>
-              <a:rPr lang="en-US" smtClean="0"/>
-              <a:t>Chapter 2 Software Processes</a:t>
-            </a:r>
-            <a:endParaRPr lang="en-US"/>
+              <a:rPr lang="en-US" dirty="0" smtClean="0"/>
+              <a:t>Lecture 2 Software Processes</a:t>
+            </a:r>
+            <a:endParaRPr lang="en-US" dirty="0"/>
           </a:p>
         </p:txBody>
       </p:sp>
@@ -8876,10 +8906,10 @@
               <a:defRPr/>
             </a:pPr>
             <a:r>
-              <a:rPr lang="en-US" smtClean="0"/>
-              <a:t>Chapter 2 Software Processes</a:t>
-            </a:r>
-            <a:endParaRPr lang="en-US"/>
+              <a:rPr lang="en-US" dirty="0" smtClean="0"/>
+              <a:t>Lecture 2 Software Processes</a:t>
+            </a:r>
+            <a:endParaRPr lang="en-US" dirty="0"/>
           </a:p>
         </p:txBody>
       </p:sp>
@@ -9043,10 +9073,10 @@
               <a:defRPr/>
             </a:pPr>
             <a:r>
-              <a:rPr lang="en-US" smtClean="0"/>
-              <a:t>Chapter 2 Software Processes</a:t>
-            </a:r>
-            <a:endParaRPr lang="en-US"/>
+              <a:rPr lang="en-US" dirty="0" smtClean="0"/>
+              <a:t>Lecture 2 Software Processes</a:t>
+            </a:r>
+            <a:endParaRPr lang="en-US" dirty="0"/>
           </a:p>
         </p:txBody>
       </p:sp>
@@ -9191,10 +9221,10 @@
               <a:defRPr/>
             </a:pPr>
             <a:r>
-              <a:rPr lang="en-US" smtClean="0"/>
-              <a:t>Chapter 2 Software Processes</a:t>
-            </a:r>
-            <a:endParaRPr lang="en-US"/>
+              <a:rPr lang="en-US" dirty="0" smtClean="0"/>
+              <a:t>Lecture 2 Software Processes</a:t>
+            </a:r>
+            <a:endParaRPr lang="en-US" dirty="0"/>
           </a:p>
         </p:txBody>
       </p:sp>
@@ -9344,10 +9374,10 @@
               <a:defRPr/>
             </a:pPr>
             <a:r>
-              <a:rPr lang="en-US" smtClean="0"/>
-              <a:t>Chapter 2 Software Processes</a:t>
-            </a:r>
-            <a:endParaRPr lang="en-US"/>
+              <a:rPr lang="en-US" dirty="0" smtClean="0"/>
+              <a:t>Lecture 2 Software Processes</a:t>
+            </a:r>
+            <a:endParaRPr lang="en-US" dirty="0"/>
           </a:p>
         </p:txBody>
       </p:sp>
@@ -9494,10 +9524,10 @@
               <a:defRPr/>
             </a:pPr>
             <a:r>
-              <a:rPr lang="en-US" smtClean="0"/>
-              <a:t>Chapter 2 Software Processes</a:t>
-            </a:r>
-            <a:endParaRPr lang="en-US"/>
+              <a:rPr lang="en-US" dirty="0" smtClean="0"/>
+              <a:t>Lecture 2 Software Processes</a:t>
+            </a:r>
+            <a:endParaRPr lang="en-US" dirty="0"/>
           </a:p>
         </p:txBody>
       </p:sp>
@@ -9636,10 +9666,10 @@
               <a:defRPr/>
             </a:pPr>
             <a:r>
-              <a:rPr lang="en-US" smtClean="0"/>
-              <a:t>Chapter 2 Software Processes</a:t>
-            </a:r>
-            <a:endParaRPr lang="en-US"/>
+              <a:rPr lang="en-US" dirty="0" smtClean="0"/>
+              <a:t>Lecture 2 Software Processes</a:t>
+            </a:r>
+            <a:endParaRPr lang="en-US" dirty="0"/>
           </a:p>
         </p:txBody>
       </p:sp>
@@ -9791,10 +9821,10 @@
               <a:defRPr/>
             </a:pPr>
             <a:r>
-              <a:rPr lang="en-US" smtClean="0"/>
-              <a:t>Chapter 2 Software Processes</a:t>
-            </a:r>
-            <a:endParaRPr lang="en-US"/>
+              <a:rPr lang="en-US" dirty="0" smtClean="0"/>
+              <a:t>Lecture 2 Software Processes</a:t>
+            </a:r>
+            <a:endParaRPr lang="en-US" dirty="0"/>
           </a:p>
         </p:txBody>
       </p:sp>
@@ -9974,10 +10004,10 @@
               <a:defRPr/>
             </a:pPr>
             <a:r>
-              <a:rPr lang="en-US" smtClean="0"/>
-              <a:t>Chapter 2 Software Processes</a:t>
-            </a:r>
-            <a:endParaRPr lang="en-US"/>
+              <a:rPr lang="en-US" dirty="0" smtClean="0"/>
+              <a:t>Lecture 2 Software Processes</a:t>
+            </a:r>
+            <a:endParaRPr lang="en-US" dirty="0"/>
           </a:p>
         </p:txBody>
       </p:sp>
@@ -10112,10 +10142,10 @@
               <a:defRPr/>
             </a:pPr>
             <a:r>
-              <a:rPr lang="en-US" smtClean="0"/>
-              <a:t>Chapter 2 Software Processes</a:t>
-            </a:r>
-            <a:endParaRPr lang="en-US"/>
+              <a:rPr lang="en-US" dirty="0" smtClean="0"/>
+              <a:t>Lecture 2 Software Processes</a:t>
+            </a:r>
+            <a:endParaRPr lang="en-US" dirty="0"/>
           </a:p>
         </p:txBody>
       </p:sp>
@@ -10260,10 +10290,10 @@
               <a:defRPr/>
             </a:pPr>
             <a:r>
-              <a:rPr lang="en-US" smtClean="0"/>
-              <a:t>Chapter 2 Software Processes</a:t>
-            </a:r>
-            <a:endParaRPr lang="en-US"/>
+              <a:rPr lang="en-US" dirty="0" smtClean="0"/>
+              <a:t>Lecture 2 Software Processes</a:t>
+            </a:r>
+            <a:endParaRPr lang="en-US" dirty="0"/>
           </a:p>
         </p:txBody>
       </p:sp>
@@ -10442,10 +10472,10 @@
               <a:defRPr/>
             </a:pPr>
             <a:r>
-              <a:rPr lang="en-US" smtClean="0"/>
-              <a:t>Chapter 2 Software Processes</a:t>
-            </a:r>
-            <a:endParaRPr lang="en-US"/>
+              <a:rPr lang="en-US" dirty="0" smtClean="0"/>
+              <a:t>Lecture 2 Software Processes</a:t>
+            </a:r>
+            <a:endParaRPr lang="en-US" dirty="0"/>
           </a:p>
         </p:txBody>
       </p:sp>
@@ -10581,10 +10611,10 @@
               <a:defRPr/>
             </a:pPr>
             <a:r>
-              <a:rPr lang="en-US" smtClean="0"/>
-              <a:t>Chapter 2 Software Processes</a:t>
-            </a:r>
-            <a:endParaRPr lang="en-US"/>
+              <a:rPr lang="en-US" dirty="0" smtClean="0"/>
+              <a:t>Lecture 2 Software Processes</a:t>
+            </a:r>
+            <a:endParaRPr lang="en-US" dirty="0"/>
           </a:p>
         </p:txBody>
       </p:sp>
@@ -10756,10 +10786,10 @@
               <a:defRPr/>
             </a:pPr>
             <a:r>
-              <a:rPr lang="en-US" smtClean="0"/>
-              <a:t>Chapter 2 Software Processes</a:t>
-            </a:r>
-            <a:endParaRPr lang="en-US"/>
+              <a:rPr lang="en-US" dirty="0" smtClean="0"/>
+              <a:t>Lecture 2 Software Processes</a:t>
+            </a:r>
+            <a:endParaRPr lang="en-US" dirty="0"/>
           </a:p>
         </p:txBody>
       </p:sp>
@@ -10916,10 +10946,10 @@
               <a:defRPr/>
             </a:pPr>
             <a:r>
-              <a:rPr lang="en-US" smtClean="0"/>
-              <a:t>Chapter 2 Software Processes</a:t>
-            </a:r>
-            <a:endParaRPr lang="en-US"/>
+              <a:rPr lang="en-US" dirty="0" smtClean="0"/>
+              <a:t>Lecture 2 Software Processes</a:t>
+            </a:r>
+            <a:endParaRPr lang="en-US" dirty="0"/>
           </a:p>
         </p:txBody>
       </p:sp>
@@ -11060,10 +11090,10 @@
               <a:defRPr/>
             </a:pPr>
             <a:r>
-              <a:rPr lang="en-US" smtClean="0"/>
-              <a:t>Chapter 2 Software Processes</a:t>
-            </a:r>
-            <a:endParaRPr lang="en-US"/>
+              <a:rPr lang="en-US" dirty="0" smtClean="0"/>
+              <a:t>Lecture 2 Software Processes</a:t>
+            </a:r>
+            <a:endParaRPr lang="en-US" dirty="0"/>
           </a:p>
         </p:txBody>
       </p:sp>
@@ -11199,10 +11229,10 @@
               <a:defRPr/>
             </a:pPr>
             <a:r>
-              <a:rPr lang="en-US" smtClean="0"/>
-              <a:t>Chapter 2 Software Processes</a:t>
-            </a:r>
-            <a:endParaRPr lang="en-US"/>
+              <a:rPr lang="en-US" dirty="0" smtClean="0"/>
+              <a:t>Lecture 2 Software Processes</a:t>
+            </a:r>
+            <a:endParaRPr lang="en-US" dirty="0"/>
           </a:p>
         </p:txBody>
       </p:sp>
@@ -11402,10 +11432,10 @@
               <a:defRPr/>
             </a:pPr>
             <a:r>
-              <a:rPr lang="en-US" smtClean="0"/>
-              <a:t>Chapter 2 Software Processes</a:t>
-            </a:r>
-            <a:endParaRPr lang="en-US"/>
+              <a:rPr lang="en-US" dirty="0" smtClean="0"/>
+              <a:t>Lecture 2 Software Processes</a:t>
+            </a:r>
+            <a:endParaRPr lang="en-US" dirty="0"/>
           </a:p>
         </p:txBody>
       </p:sp>
@@ -11505,10 +11535,10 @@
               <a:defRPr/>
             </a:pPr>
             <a:r>
-              <a:rPr lang="en-US" smtClean="0"/>
-              <a:t>Chapter 2 Software Processes</a:t>
-            </a:r>
-            <a:endParaRPr lang="en-US"/>
+              <a:rPr lang="en-US" dirty="0" smtClean="0"/>
+              <a:t>Lecture 2 Software Processes</a:t>
+            </a:r>
+            <a:endParaRPr lang="en-US" dirty="0"/>
           </a:p>
         </p:txBody>
       </p:sp>
@@ -11701,10 +11731,10 @@
               <a:defRPr/>
             </a:pPr>
             <a:r>
-              <a:rPr lang="en-US" smtClean="0"/>
-              <a:t>Chapter 2 Software Processes</a:t>
-            </a:r>
-            <a:endParaRPr lang="en-US"/>
+              <a:rPr lang="en-US" dirty="0" smtClean="0"/>
+              <a:t>Lecture 2 Software Processes</a:t>
+            </a:r>
+            <a:endParaRPr lang="en-US" dirty="0"/>
           </a:p>
         </p:txBody>
       </p:sp>
@@ -11847,10 +11877,10 @@
               <a:defRPr/>
             </a:pPr>
             <a:r>
-              <a:rPr lang="en-US" smtClean="0"/>
-              <a:t>Chapter 2 Software Processes</a:t>
-            </a:r>
-            <a:endParaRPr lang="en-US"/>
+              <a:rPr lang="en-US" dirty="0" smtClean="0"/>
+              <a:t>Lecture 2 Software Processes</a:t>
+            </a:r>
+            <a:endParaRPr lang="en-US" dirty="0"/>
           </a:p>
         </p:txBody>
       </p:sp>
@@ -12050,10 +12080,10 @@
               <a:defRPr/>
             </a:pPr>
             <a:r>
-              <a:rPr lang="en-US" smtClean="0"/>
-              <a:t>Chapter 2 Software Processes</a:t>
-            </a:r>
-            <a:endParaRPr lang="en-US"/>
+              <a:rPr lang="en-US" dirty="0" smtClean="0"/>
+              <a:t>Lecture 2 Software Processes</a:t>
+            </a:r>
+            <a:endParaRPr lang="en-US" dirty="0"/>
           </a:p>
         </p:txBody>
       </p:sp>
@@ -12201,10 +12231,10 @@
               <a:defRPr/>
             </a:pPr>
             <a:r>
-              <a:rPr lang="en-US" smtClean="0"/>
-              <a:t>Chapter 2 Software Processes</a:t>
-            </a:r>
-            <a:endParaRPr lang="en-US"/>
+              <a:rPr lang="en-US" dirty="0" smtClean="0"/>
+              <a:t>Lecture 2 Software Processes</a:t>
+            </a:r>
+            <a:endParaRPr lang="en-US" dirty="0"/>
           </a:p>
         </p:txBody>
       </p:sp>
@@ -12320,10 +12350,10 @@
               <a:defRPr/>
             </a:pPr>
             <a:r>
-              <a:rPr lang="en-US" smtClean="0"/>
-              <a:t>Chapter 2 Software Processes</a:t>
-            </a:r>
-            <a:endParaRPr lang="en-US"/>
+              <a:rPr lang="en-US" dirty="0" smtClean="0"/>
+              <a:t>Lecture 2 Software Processes</a:t>
+            </a:r>
+            <a:endParaRPr lang="en-US" dirty="0"/>
           </a:p>
         </p:txBody>
       </p:sp>
@@ -12815,10 +12845,10 @@
               <a:defRPr/>
             </a:pPr>
             <a:r>
-              <a:rPr lang="en-US" smtClean="0"/>
-              <a:t>Chapter 2 Software Processes</a:t>
-            </a:r>
-            <a:endParaRPr lang="en-US"/>
+              <a:rPr lang="en-US" dirty="0" smtClean="0"/>
+              <a:t>Lecture 2 Software Processes</a:t>
+            </a:r>
+            <a:endParaRPr lang="en-US" dirty="0"/>
           </a:p>
         </p:txBody>
       </p:sp>
@@ -13135,7 +13165,21 @@
                           <a:latin typeface="Arial"/>
                           <a:cs typeface="Arial"/>
                         </a:rPr>
-                        <a:t>This supporting workflow managed changes to the system (see Chapter 25).</a:t>
+                        <a:t>This supporting workflow managed changes to the system (see </a:t>
+                      </a:r>
+                      <a:r>
+                        <a:rPr lang="en-GB" sz="1600" dirty="0" smtClean="0">
+                          <a:latin typeface="Arial"/>
+                          <a:cs typeface="Arial"/>
+                        </a:rPr>
+                        <a:t>Lecture 25</a:t>
+                      </a:r>
+                      <a:r>
+                        <a:rPr lang="en-GB" sz="1600" dirty="0">
+                          <a:latin typeface="Arial"/>
+                          <a:cs typeface="Arial"/>
+                        </a:rPr>
+                        <a:t>).</a:t>
                       </a:r>
                       <a:endParaRPr lang="en-GB" sz="1600" dirty="0">
                         <a:solidFill>
@@ -13337,10 +13381,10 @@
               <a:defRPr/>
             </a:pPr>
             <a:r>
-              <a:rPr lang="en-US" smtClean="0"/>
-              <a:t>Chapter 2 Software Processes</a:t>
-            </a:r>
-            <a:endParaRPr lang="en-US"/>
+              <a:rPr lang="en-US" dirty="0" smtClean="0"/>
+              <a:t>Lecture 2 Software Processes</a:t>
+            </a:r>
+            <a:endParaRPr lang="en-US" dirty="0"/>
           </a:p>
         </p:txBody>
       </p:sp>
@@ -13495,10 +13539,10 @@
               <a:defRPr/>
             </a:pPr>
             <a:r>
-              <a:rPr lang="en-US" smtClean="0"/>
-              <a:t>Chapter 2 Software Processes</a:t>
-            </a:r>
-            <a:endParaRPr lang="en-US"/>
+              <a:rPr lang="en-US" dirty="0" smtClean="0"/>
+              <a:t>Lecture 2 Software Processes</a:t>
+            </a:r>
+            <a:endParaRPr lang="en-US" dirty="0"/>
           </a:p>
         </p:txBody>
       </p:sp>
@@ -13625,10 +13669,10 @@
               <a:defRPr/>
             </a:pPr>
             <a:r>
-              <a:rPr lang="en-US" smtClean="0"/>
-              <a:t>Chapter 2 Software Processes</a:t>
-            </a:r>
-            <a:endParaRPr lang="en-US"/>
+              <a:rPr lang="en-US" dirty="0" smtClean="0"/>
+              <a:t>Lecture 2 Software Processes</a:t>
+            </a:r>
+            <a:endParaRPr lang="en-US" dirty="0"/>
           </a:p>
         </p:txBody>
       </p:sp>
@@ -13795,7 +13839,7 @@
             </a:pPr>
             <a:r>
               <a:rPr lang="en-US" dirty="0" smtClean="0"/>
-              <a:t>Chapter 2 Software Processes</a:t>
+              <a:t>Lecture 2 Software Processes</a:t>
             </a:r>
             <a:endParaRPr lang="en-US" dirty="0"/>
           </a:p>
@@ -13958,10 +14002,10 @@
               <a:defRPr/>
             </a:pPr>
             <a:r>
-              <a:rPr lang="en-US" smtClean="0"/>
-              <a:t>Chapter 2 Software Processes</a:t>
-            </a:r>
-            <a:endParaRPr lang="en-US"/>
+              <a:rPr lang="en-US" dirty="0" smtClean="0"/>
+              <a:t>Lecture 2 Software Processes</a:t>
+            </a:r>
+            <a:endParaRPr lang="en-US" dirty="0"/>
           </a:p>
         </p:txBody>
       </p:sp>
@@ -14101,10 +14145,10 @@
               <a:defRPr/>
             </a:pPr>
             <a:r>
-              <a:rPr lang="en-US" smtClean="0"/>
-              <a:t>Chapter 2 Software Processes</a:t>
-            </a:r>
-            <a:endParaRPr lang="en-US"/>
+              <a:rPr lang="en-US" dirty="0" smtClean="0"/>
+              <a:t>Lecture 2 Software Processes</a:t>
+            </a:r>
+            <a:endParaRPr lang="en-US" dirty="0"/>
           </a:p>
         </p:txBody>
       </p:sp>
@@ -14299,10 +14343,10 @@
               <a:defRPr/>
             </a:pPr>
             <a:r>
-              <a:rPr lang="en-US" smtClean="0"/>
-              <a:t>Chapter 2 Software Processes</a:t>
-            </a:r>
-            <a:endParaRPr lang="en-US"/>
+              <a:rPr lang="en-US" dirty="0" smtClean="0"/>
+              <a:t>Lecture 2 Software Processes</a:t>
+            </a:r>
+            <a:endParaRPr lang="en-US" dirty="0"/>
           </a:p>
         </p:txBody>
       </p:sp>
@@ -14453,10 +14497,10 @@
               <a:defRPr/>
             </a:pPr>
             <a:r>
-              <a:rPr lang="en-US" smtClean="0"/>
-              <a:t>Chapter 2 Software Processes</a:t>
-            </a:r>
-            <a:endParaRPr lang="en-US"/>
+              <a:rPr lang="en-US" dirty="0" smtClean="0"/>
+              <a:t>Lecture 2 Software Processes</a:t>
+            </a:r>
+            <a:endParaRPr lang="en-US" dirty="0"/>
           </a:p>
         </p:txBody>
       </p:sp>
